--- a/IPP/w4/W4.pptx
+++ b/IPP/w4/W4.pptx
@@ -201,7 +201,7 @@
           <a:p>
             <a:fld id="{5551B73A-00A5-41F0-AD1E-E8BC06CD57C4}" type="datetimeFigureOut">
               <a:rPr lang="zh-CN" altLang="en-US" smtClean="0"/>
-              <a:t>2023/4/3</a:t>
+              <a:t>2023/6/4</a:t>
             </a:fld>
             <a:endParaRPr lang="zh-CN" altLang="en-US"/>
           </a:p>
@@ -783,7 +783,7 @@
           <a:p>
             <a:fld id="{2737B94B-463C-4A10-B31F-5D6631A642E2}" type="datetimeFigureOut">
               <a:rPr lang="zh-CN" altLang="en-US" smtClean="0"/>
-              <a:t>2023/4/3</a:t>
+              <a:t>2023/6/4</a:t>
             </a:fld>
             <a:endParaRPr lang="zh-CN" altLang="en-US"/>
           </a:p>
@@ -981,7 +981,7 @@
           <a:p>
             <a:fld id="{2737B94B-463C-4A10-B31F-5D6631A642E2}" type="datetimeFigureOut">
               <a:rPr lang="zh-CN" altLang="en-US" smtClean="0"/>
-              <a:t>2023/4/3</a:t>
+              <a:t>2023/6/4</a:t>
             </a:fld>
             <a:endParaRPr lang="zh-CN" altLang="en-US"/>
           </a:p>
@@ -1189,7 +1189,7 @@
           <a:p>
             <a:fld id="{2737B94B-463C-4A10-B31F-5D6631A642E2}" type="datetimeFigureOut">
               <a:rPr lang="zh-CN" altLang="en-US" smtClean="0"/>
-              <a:t>2023/4/3</a:t>
+              <a:t>2023/6/4</a:t>
             </a:fld>
             <a:endParaRPr lang="zh-CN" altLang="en-US"/>
           </a:p>
@@ -1783,7 +1783,7 @@
           <a:p>
             <a:fld id="{2737B94B-463C-4A10-B31F-5D6631A642E2}" type="datetimeFigureOut">
               <a:rPr lang="zh-CN" altLang="en-US" smtClean="0"/>
-              <a:t>2023/4/3</a:t>
+              <a:t>2023/6/4</a:t>
             </a:fld>
             <a:endParaRPr lang="zh-CN" altLang="en-US"/>
           </a:p>
@@ -2058,7 +2058,7 @@
           <a:p>
             <a:fld id="{2737B94B-463C-4A10-B31F-5D6631A642E2}" type="datetimeFigureOut">
               <a:rPr lang="zh-CN" altLang="en-US" smtClean="0"/>
-              <a:t>2023/4/3</a:t>
+              <a:t>2023/6/4</a:t>
             </a:fld>
             <a:endParaRPr lang="zh-CN" altLang="en-US"/>
           </a:p>
@@ -2323,7 +2323,7 @@
           <a:p>
             <a:fld id="{2737B94B-463C-4A10-B31F-5D6631A642E2}" type="datetimeFigureOut">
               <a:rPr lang="zh-CN" altLang="en-US" smtClean="0"/>
-              <a:t>2023/4/3</a:t>
+              <a:t>2023/6/4</a:t>
             </a:fld>
             <a:endParaRPr lang="zh-CN" altLang="en-US"/>
           </a:p>
@@ -2735,7 +2735,7 @@
           <a:p>
             <a:fld id="{2737B94B-463C-4A10-B31F-5D6631A642E2}" type="datetimeFigureOut">
               <a:rPr lang="zh-CN" altLang="en-US" smtClean="0"/>
-              <a:t>2023/4/3</a:t>
+              <a:t>2023/6/4</a:t>
             </a:fld>
             <a:endParaRPr lang="zh-CN" altLang="en-US"/>
           </a:p>
@@ -2876,7 +2876,7 @@
           <a:p>
             <a:fld id="{2737B94B-463C-4A10-B31F-5D6631A642E2}" type="datetimeFigureOut">
               <a:rPr lang="zh-CN" altLang="en-US" smtClean="0"/>
-              <a:t>2023/4/3</a:t>
+              <a:t>2023/6/4</a:t>
             </a:fld>
             <a:endParaRPr lang="zh-CN" altLang="en-US"/>
           </a:p>
@@ -2989,7 +2989,7 @@
           <a:p>
             <a:fld id="{2737B94B-463C-4A10-B31F-5D6631A642E2}" type="datetimeFigureOut">
               <a:rPr lang="zh-CN" altLang="en-US" smtClean="0"/>
-              <a:t>2023/4/3</a:t>
+              <a:t>2023/6/4</a:t>
             </a:fld>
             <a:endParaRPr lang="zh-CN" altLang="en-US"/>
           </a:p>
@@ -3300,7 +3300,7 @@
           <a:p>
             <a:fld id="{2737B94B-463C-4A10-B31F-5D6631A642E2}" type="datetimeFigureOut">
               <a:rPr lang="zh-CN" altLang="en-US" smtClean="0"/>
-              <a:t>2023/4/3</a:t>
+              <a:t>2023/6/4</a:t>
             </a:fld>
             <a:endParaRPr lang="zh-CN" altLang="en-US"/>
           </a:p>
@@ -3588,7 +3588,7 @@
           <a:p>
             <a:fld id="{2737B94B-463C-4A10-B31F-5D6631A642E2}" type="datetimeFigureOut">
               <a:rPr lang="zh-CN" altLang="en-US" smtClean="0"/>
-              <a:t>2023/4/3</a:t>
+              <a:t>2023/6/4</a:t>
             </a:fld>
             <a:endParaRPr lang="zh-CN" altLang="en-US"/>
           </a:p>
@@ -3829,7 +3829,7 @@
           <a:p>
             <a:fld id="{2737B94B-463C-4A10-B31F-5D6631A642E2}" type="datetimeFigureOut">
               <a:rPr lang="zh-CN" altLang="en-US" smtClean="0"/>
-              <a:t>2023/4/3</a:t>
+              <a:t>2023/6/4</a:t>
             </a:fld>
             <a:endParaRPr lang="zh-CN" altLang="en-US"/>
           </a:p>
@@ -4272,11 +4272,11 @@
           <a:lstStyle/>
           <a:p>
             <a:r>
-              <a:rPr lang="en-US"/>
+              <a:rPr lang="en-US" dirty="0"/>
               <a:t>Week4. Split Strategy &amp; </a:t>
             </a:r>
             <a:r>
-              <a:rPr lang="en-US" altLang="zh-CN"/>
+              <a:rPr lang="en-US" altLang="zh-CN" dirty="0" err="1"/>
               <a:t>PinnerFormer</a:t>
             </a:r>
             <a:endParaRPr lang="en-US" dirty="0"/>
@@ -4313,10 +4313,10 @@
               <a:buAutoNum type="arabicPeriod"/>
             </a:pPr>
             <a:r>
-              <a:rPr lang="en-US" altLang="zh-CN"/>
+              <a:rPr lang="en-US" altLang="zh-CN" dirty="0"/>
               <a:t>Training, dev, test split.</a:t>
             </a:r>
-            <a:endParaRPr lang="en-US"/>
+            <a:endParaRPr lang="en-US" dirty="0"/>
           </a:p>
           <a:p>
             <a:pPr marL="514350" indent="-514350">
@@ -4324,8 +4324,12 @@
               <a:buAutoNum type="arabicPeriod"/>
             </a:pPr>
             <a:r>
-              <a:rPr lang="en-US"/>
-              <a:t>PinnerFormer.</a:t>
+              <a:rPr lang="en-US" dirty="0" err="1"/>
+              <a:t>PinnerFormer</a:t>
+            </a:r>
+            <a:r>
+              <a:rPr lang="en-US" dirty="0"/>
+              <a:t>.</a:t>
             </a:r>
           </a:p>
           <a:p>
@@ -5710,7 +5714,7 @@
           </a:prstGeom>
           <a:extLst>
             <a:ext uri="{C572A759-6A51-4108-AA02-DFA0A04FC94B}">
-              <ma14:wrappingTextBoxFlag xmlns="" xmlns:m="http://schemas.openxmlformats.org/officeDocument/2006/math" xmlns:a14="http://schemas.microsoft.com/office/drawing/2010/main" xmlns:ma14="http://schemas.microsoft.com/office/mac/drawingml/2011/main" val="1"/>
+              <ma14:wrappingTextBoxFlag xmlns:ma14="http://schemas.microsoft.com/office/mac/drawingml/2011/main" xmlns:a14="http://schemas.microsoft.com/office/drawing/2010/main" xmlns:m="http://schemas.openxmlformats.org/officeDocument/2006/math" xmlns="" val="1"/>
             </a:ext>
           </a:extLst>
         </p:spPr>
